--- a/Introduction_to_ggplot2.pptx
+++ b/Introduction_to_ggplot2.pptx
@@ -5,20 +5,21 @@
     <p:sldMasterId id="2147483708" r:id="rId1"/>
   </p:sldMasterIdLst>
   <p:notesMasterIdLst>
-    <p:notesMasterId r:id="rId13"/>
+    <p:notesMasterId r:id="rId14"/>
   </p:notesMasterIdLst>
   <p:sldIdLst>
     <p:sldId id="256" r:id="rId2"/>
     <p:sldId id="317" r:id="rId3"/>
     <p:sldId id="318" r:id="rId4"/>
-    <p:sldId id="320" r:id="rId5"/>
-    <p:sldId id="321" r:id="rId6"/>
-    <p:sldId id="322" r:id="rId7"/>
-    <p:sldId id="327" r:id="rId8"/>
-    <p:sldId id="328" r:id="rId9"/>
-    <p:sldId id="325" r:id="rId10"/>
-    <p:sldId id="326" r:id="rId11"/>
-    <p:sldId id="316" r:id="rId12"/>
+    <p:sldId id="329" r:id="rId5"/>
+    <p:sldId id="320" r:id="rId6"/>
+    <p:sldId id="321" r:id="rId7"/>
+    <p:sldId id="322" r:id="rId8"/>
+    <p:sldId id="327" r:id="rId9"/>
+    <p:sldId id="328" r:id="rId10"/>
+    <p:sldId id="325" r:id="rId11"/>
+    <p:sldId id="326" r:id="rId12"/>
+    <p:sldId id="316" r:id="rId13"/>
   </p:sldIdLst>
   <p:sldSz cx="9144000" cy="6858000" type="screen4x3"/>
   <p:notesSz cx="6858000" cy="9144000"/>
@@ -207,7 +208,7 @@
           <a:p>
             <a:fld id="{3EED9262-261F-2A45-BB0C-C7AAFAB59DA4}" type="datetimeFigureOut">
               <a:rPr lang="en-GB" smtClean="0"/>
-              <a:t>29/01/2019</a:t>
+              <a:t>30/01/2019</a:t>
             </a:fld>
             <a:endParaRPr lang="en-GB"/>
           </a:p>
@@ -603,7 +604,7 @@
           <a:bodyPr/>
           <a:lstStyle/>
           <a:p>
-            <a:endParaRPr lang="en-GB" dirty="0"/>
+            <a:endParaRPr lang="en-GB"/>
           </a:p>
         </p:txBody>
       </p:sp>
@@ -625,6 +626,90 @@
             <a:fld id="{9CE2409D-51BB-C645-AA39-FFD4D430FE68}" type="slidenum">
               <a:rPr lang="en-GB" smtClean="0"/>
               <a:t>10</a:t>
+            </a:fld>
+            <a:endParaRPr lang="en-GB"/>
+          </a:p>
+        </p:txBody>
+      </p:sp>
+    </p:spTree>
+    <p:extLst>
+      <p:ext uri="{BB962C8B-B14F-4D97-AF65-F5344CB8AC3E}">
+        <p14:creationId xmlns:p14="http://schemas.microsoft.com/office/powerpoint/2010/main" val="83501028"/>
+      </p:ext>
+    </p:extLst>
+  </p:cSld>
+  <p:clrMapOvr>
+    <a:masterClrMapping/>
+  </p:clrMapOvr>
+</p:notes>
+</file>
+
+<file path=ppt/notesSlides/notesSlide11.xml><?xml version="1.0" encoding="utf-8"?>
+<p:notes xmlns:a="http://schemas.openxmlformats.org/drawingml/2006/main" xmlns:r="http://schemas.openxmlformats.org/officeDocument/2006/relationships" xmlns:p="http://schemas.openxmlformats.org/presentationml/2006/main">
+  <p:cSld>
+    <p:spTree>
+      <p:nvGrpSpPr>
+        <p:cNvPr id="1" name=""/>
+        <p:cNvGrpSpPr/>
+        <p:nvPr/>
+      </p:nvGrpSpPr>
+      <p:grpSpPr>
+        <a:xfrm>
+          <a:off x="0" y="0"/>
+          <a:ext cx="0" cy="0"/>
+          <a:chOff x="0" y="0"/>
+          <a:chExt cx="0" cy="0"/>
+        </a:xfrm>
+      </p:grpSpPr>
+      <p:sp>
+        <p:nvSpPr>
+          <p:cNvPr id="2" name="Slide Image Placeholder 1"/>
+          <p:cNvSpPr>
+            <a:spLocks noGrp="1" noRot="1" noChangeAspect="1"/>
+          </p:cNvSpPr>
+          <p:nvPr>
+            <p:ph type="sldImg"/>
+          </p:nvPr>
+        </p:nvSpPr>
+        <p:spPr/>
+      </p:sp>
+      <p:sp>
+        <p:nvSpPr>
+          <p:cNvPr id="3" name="Notes Placeholder 2"/>
+          <p:cNvSpPr>
+            <a:spLocks noGrp="1"/>
+          </p:cNvSpPr>
+          <p:nvPr>
+            <p:ph type="body" idx="1"/>
+          </p:nvPr>
+        </p:nvSpPr>
+        <p:spPr/>
+        <p:txBody>
+          <a:bodyPr/>
+          <a:lstStyle/>
+          <a:p>
+            <a:endParaRPr lang="en-GB" dirty="0"/>
+          </a:p>
+        </p:txBody>
+      </p:sp>
+      <p:sp>
+        <p:nvSpPr>
+          <p:cNvPr id="4" name="Slide Number Placeholder 3"/>
+          <p:cNvSpPr>
+            <a:spLocks noGrp="1"/>
+          </p:cNvSpPr>
+          <p:nvPr>
+            <p:ph type="sldNum" sz="quarter" idx="10"/>
+          </p:nvPr>
+        </p:nvSpPr>
+        <p:spPr/>
+        <p:txBody>
+          <a:bodyPr/>
+          <a:lstStyle/>
+          <a:p>
+            <a:fld id="{9CE2409D-51BB-C645-AA39-FFD4D430FE68}" type="slidenum">
+              <a:rPr lang="en-GB" smtClean="0"/>
+              <a:t>11</a:t>
             </a:fld>
             <a:endParaRPr lang="en-GB"/>
           </a:p>
@@ -801,7 +886,7 @@
     </p:spTree>
     <p:extLst>
       <p:ext uri="{BB962C8B-B14F-4D97-AF65-F5344CB8AC3E}">
-        <p14:creationId xmlns:p14="http://schemas.microsoft.com/office/powerpoint/2010/main" val="457911796"/>
+        <p14:creationId xmlns:p14="http://schemas.microsoft.com/office/powerpoint/2010/main" val="1064846685"/>
       </p:ext>
     </p:extLst>
   </p:cSld>
@@ -885,7 +970,7 @@
     </p:spTree>
     <p:extLst>
       <p:ext uri="{BB962C8B-B14F-4D97-AF65-F5344CB8AC3E}">
-        <p14:creationId xmlns:p14="http://schemas.microsoft.com/office/powerpoint/2010/main" val="1690339439"/>
+        <p14:creationId xmlns:p14="http://schemas.microsoft.com/office/powerpoint/2010/main" val="457911796"/>
       </p:ext>
     </p:extLst>
   </p:cSld>
@@ -969,7 +1054,7 @@
     </p:spTree>
     <p:extLst>
       <p:ext uri="{BB962C8B-B14F-4D97-AF65-F5344CB8AC3E}">
-        <p14:creationId xmlns:p14="http://schemas.microsoft.com/office/powerpoint/2010/main" val="1836909488"/>
+        <p14:creationId xmlns:p14="http://schemas.microsoft.com/office/powerpoint/2010/main" val="1690339439"/>
       </p:ext>
     </p:extLst>
   </p:cSld>
@@ -1053,7 +1138,7 @@
     </p:spTree>
     <p:extLst>
       <p:ext uri="{BB962C8B-B14F-4D97-AF65-F5344CB8AC3E}">
-        <p14:creationId xmlns:p14="http://schemas.microsoft.com/office/powerpoint/2010/main" val="384853945"/>
+        <p14:creationId xmlns:p14="http://schemas.microsoft.com/office/powerpoint/2010/main" val="1836909488"/>
       </p:ext>
     </p:extLst>
   </p:cSld>
@@ -1137,7 +1222,7 @@
     </p:spTree>
     <p:extLst>
       <p:ext uri="{BB962C8B-B14F-4D97-AF65-F5344CB8AC3E}">
-        <p14:creationId xmlns:p14="http://schemas.microsoft.com/office/powerpoint/2010/main" val="1649493348"/>
+        <p14:creationId xmlns:p14="http://schemas.microsoft.com/office/powerpoint/2010/main" val="384853945"/>
       </p:ext>
     </p:extLst>
   </p:cSld>
@@ -1221,7 +1306,7 @@
     </p:spTree>
     <p:extLst>
       <p:ext uri="{BB962C8B-B14F-4D97-AF65-F5344CB8AC3E}">
-        <p14:creationId xmlns:p14="http://schemas.microsoft.com/office/powerpoint/2010/main" val="2109417383"/>
+        <p14:creationId xmlns:p14="http://schemas.microsoft.com/office/powerpoint/2010/main" val="1649493348"/>
       </p:ext>
     </p:extLst>
   </p:cSld>
@@ -1305,7 +1390,7 @@
     </p:spTree>
     <p:extLst>
       <p:ext uri="{BB962C8B-B14F-4D97-AF65-F5344CB8AC3E}">
-        <p14:creationId xmlns:p14="http://schemas.microsoft.com/office/powerpoint/2010/main" val="83501028"/>
+        <p14:creationId xmlns:p14="http://schemas.microsoft.com/office/powerpoint/2010/main" val="2109417383"/>
       </p:ext>
     </p:extLst>
   </p:cSld>
@@ -4878,14 +4963,6 @@
               </a:rPr>
               <a:t> day 2</a:t>
             </a:r>
-            <a:endParaRPr lang="en-GB" sz="2800" b="1" dirty="0" smtClean="0">
-              <a:solidFill>
-                <a:srgbClr val="A9B554"/>
-              </a:solidFill>
-              <a:latin typeface="CMU Serif Roman" charset="0"/>
-              <a:ea typeface="CMU Serif Roman" charset="0"/>
-              <a:cs typeface="CMU Serif Roman" charset="0"/>
-            </a:endParaRPr>
           </a:p>
           <a:p>
             <a:pPr algn="ctr">
@@ -5077,6 +5154,250 @@
         <p:spPr>
           <a:xfrm>
             <a:off x="148944" y="1285612"/>
+            <a:ext cx="8899672" cy="2677656"/>
+          </a:xfrm>
+          <a:prstGeom prst="rect">
+            <a:avLst/>
+          </a:prstGeom>
+          <a:solidFill>
+            <a:schemeClr val="bg1"/>
+          </a:solidFill>
+        </p:spPr>
+        <p:txBody>
+          <a:bodyPr wrap="square" rtlCol="0">
+            <a:spAutoFit/>
+          </a:bodyPr>
+          <a:lstStyle/>
+          <a:p>
+            <a:pPr algn="ctr">
+              <a:spcBef>
+                <a:spcPts val="600"/>
+              </a:spcBef>
+              <a:spcAft>
+                <a:spcPts val="600"/>
+              </a:spcAft>
+              <a:buClr>
+                <a:srgbClr val="959F4A"/>
+              </a:buClr>
+              <a:buSzPct val="80000"/>
+            </a:pPr>
+            <a:r>
+              <a:rPr lang="en-GB" sz="3600" dirty="0" smtClean="0">
+                <a:latin typeface="CMU Serif Roman" charset="0"/>
+                <a:ea typeface="CMU Serif Roman" charset="0"/>
+                <a:cs typeface="CMU Serif Roman" charset="0"/>
+              </a:rPr>
+              <a:t>You can view the worksheet online at:</a:t>
+            </a:r>
+          </a:p>
+          <a:p>
+            <a:pPr>
+              <a:spcBef>
+                <a:spcPts val="600"/>
+              </a:spcBef>
+              <a:spcAft>
+                <a:spcPts val="600"/>
+              </a:spcAft>
+              <a:buClr>
+                <a:srgbClr val="959F4A"/>
+              </a:buClr>
+              <a:buSzPct val="80000"/>
+            </a:pPr>
+            <a:endParaRPr lang="en-GB" sz="2400" dirty="0" smtClean="0">
+              <a:latin typeface="CMU Serif Roman" charset="0"/>
+              <a:ea typeface="CMU Serif Roman" charset="0"/>
+              <a:cs typeface="CMU Serif Roman" charset="0"/>
+            </a:endParaRPr>
+          </a:p>
+          <a:p>
+            <a:pPr>
+              <a:spcBef>
+                <a:spcPts val="600"/>
+              </a:spcBef>
+              <a:spcAft>
+                <a:spcPts val="600"/>
+              </a:spcAft>
+              <a:buClr>
+                <a:srgbClr val="959F4A"/>
+              </a:buClr>
+              <a:buSzPct val="80000"/>
+            </a:pPr>
+            <a:endParaRPr lang="en-GB" sz="2400" dirty="0" smtClean="0">
+              <a:latin typeface="CMU Serif Roman" charset="0"/>
+              <a:ea typeface="CMU Serif Roman" charset="0"/>
+              <a:cs typeface="CMU Serif Roman" charset="0"/>
+            </a:endParaRPr>
+          </a:p>
+          <a:p>
+            <a:pPr algn="ctr">
+              <a:spcBef>
+                <a:spcPts val="600"/>
+              </a:spcBef>
+              <a:spcAft>
+                <a:spcPts val="600"/>
+              </a:spcAft>
+              <a:buClr>
+                <a:srgbClr val="959F4A"/>
+              </a:buClr>
+              <a:buSzPct val="80000"/>
+            </a:pPr>
+            <a:r>
+              <a:rPr lang="en-GB" sz="5400" dirty="0"/>
+              <a:t>https://</a:t>
+            </a:r>
+            <a:r>
+              <a:rPr lang="en-GB" sz="5400" dirty="0" err="1"/>
+              <a:t>bit.ly</a:t>
+            </a:r>
+            <a:r>
+              <a:rPr lang="en-GB" sz="5400" dirty="0"/>
+              <a:t>/2FRDmXW</a:t>
+            </a:r>
+            <a:endParaRPr lang="en-GB" sz="5400" dirty="0" smtClean="0">
+              <a:latin typeface="CMU Serif Roman" charset="0"/>
+              <a:ea typeface="CMU Serif Roman" charset="0"/>
+              <a:cs typeface="CMU Serif Roman" charset="0"/>
+            </a:endParaRPr>
+          </a:p>
+        </p:txBody>
+      </p:sp>
+    </p:spTree>
+    <p:extLst>
+      <p:ext uri="{BB962C8B-B14F-4D97-AF65-F5344CB8AC3E}">
+        <p14:creationId xmlns:p14="http://schemas.microsoft.com/office/powerpoint/2010/main" val="1936144561"/>
+      </p:ext>
+    </p:extLst>
+  </p:cSld>
+  <p:clrMapOvr>
+    <a:masterClrMapping/>
+  </p:clrMapOvr>
+  <p:timing>
+    <p:tnLst>
+      <p:par>
+        <p:cTn id="1" dur="indefinite" restart="never" nodeType="tmRoot"/>
+      </p:par>
+    </p:tnLst>
+  </p:timing>
+</p:sld>
+</file>
+
+<file path=ppt/slides/slide11.xml><?xml version="1.0" encoding="utf-8"?>
+<p:sld xmlns:a="http://schemas.openxmlformats.org/drawingml/2006/main" xmlns:r="http://schemas.openxmlformats.org/officeDocument/2006/relationships" xmlns:p="http://schemas.openxmlformats.org/presentationml/2006/main">
+  <p:cSld>
+    <p:spTree>
+      <p:nvGrpSpPr>
+        <p:cNvPr id="1" name=""/>
+        <p:cNvGrpSpPr/>
+        <p:nvPr/>
+      </p:nvGrpSpPr>
+      <p:grpSpPr>
+        <a:xfrm>
+          <a:off x="0" y="0"/>
+          <a:ext cx="0" cy="0"/>
+          <a:chOff x="0" y="0"/>
+          <a:chExt cx="0" cy="0"/>
+        </a:xfrm>
+      </p:grpSpPr>
+      <p:sp>
+        <p:nvSpPr>
+          <p:cNvPr id="24" name="TextBox 23"/>
+          <p:cNvSpPr txBox="1"/>
+          <p:nvPr/>
+        </p:nvSpPr>
+        <p:spPr>
+          <a:xfrm>
+            <a:off x="3464672" y="71614"/>
+            <a:ext cx="2268217" cy="276999"/>
+          </a:xfrm>
+          <a:prstGeom prst="rect">
+            <a:avLst/>
+          </a:prstGeom>
+          <a:noFill/>
+        </p:spPr>
+        <p:txBody>
+          <a:bodyPr wrap="square" rtlCol="0">
+            <a:spAutoFit/>
+          </a:bodyPr>
+          <a:lstStyle/>
+          <a:p>
+            <a:pPr algn="ctr"/>
+            <a:r>
+              <a:rPr lang="en-GB" sz="1200" dirty="0" smtClean="0">
+                <a:solidFill>
+                  <a:schemeClr val="bg1"/>
+                </a:solidFill>
+                <a:latin typeface="CMU Serif Roman" charset="0"/>
+                <a:ea typeface="CMU Serif Roman" charset="0"/>
+                <a:cs typeface="CMU Serif Roman" charset="0"/>
+              </a:rPr>
+              <a:t>Background</a:t>
+            </a:r>
+            <a:endParaRPr lang="en-GB" sz="1200" dirty="0">
+              <a:solidFill>
+                <a:schemeClr val="bg1"/>
+              </a:solidFill>
+              <a:latin typeface="CMU Serif Roman" charset="0"/>
+              <a:ea typeface="CMU Serif Roman" charset="0"/>
+              <a:cs typeface="CMU Serif Roman" charset="0"/>
+            </a:endParaRPr>
+          </a:p>
+        </p:txBody>
+      </p:sp>
+      <p:sp>
+        <p:nvSpPr>
+          <p:cNvPr id="28" name="Oval 27"/>
+          <p:cNvSpPr/>
+          <p:nvPr/>
+        </p:nvSpPr>
+        <p:spPr>
+          <a:xfrm>
+            <a:off x="4307457" y="348613"/>
+            <a:ext cx="149207" cy="150473"/>
+          </a:xfrm>
+          <a:prstGeom prst="ellipse">
+            <a:avLst/>
+          </a:prstGeom>
+          <a:solidFill>
+            <a:srgbClr val="959F4A"/>
+          </a:solidFill>
+          <a:ln>
+            <a:solidFill>
+              <a:schemeClr val="bg1"/>
+            </a:solidFill>
+          </a:ln>
+        </p:spPr>
+        <p:style>
+          <a:lnRef idx="2">
+            <a:schemeClr val="accent6"/>
+          </a:lnRef>
+          <a:fillRef idx="1">
+            <a:schemeClr val="lt1"/>
+          </a:fillRef>
+          <a:effectRef idx="0">
+            <a:schemeClr val="accent6"/>
+          </a:effectRef>
+          <a:fontRef idx="minor">
+            <a:schemeClr val="dk1"/>
+          </a:fontRef>
+        </p:style>
+        <p:txBody>
+          <a:bodyPr rtlCol="0" anchor="ctr"/>
+          <a:lstStyle/>
+          <a:p>
+            <a:pPr algn="ctr"/>
+            <a:endParaRPr lang="en-GB"/>
+          </a:p>
+        </p:txBody>
+      </p:sp>
+      <p:sp>
+        <p:nvSpPr>
+          <p:cNvPr id="4" name="TextBox 3"/>
+          <p:cNvSpPr txBox="1"/>
+          <p:nvPr/>
+        </p:nvSpPr>
+        <p:spPr>
+          <a:xfrm>
+            <a:off x="148944" y="1285612"/>
             <a:ext cx="8899672" cy="5016758"/>
           </a:xfrm>
           <a:prstGeom prst="rect">
@@ -5242,7 +5563,7 @@
 </p:sld>
 </file>
 
-<file path=ppt/slides/slide11.xml><?xml version="1.0" encoding="utf-8"?>
+<file path=ppt/slides/slide12.xml><?xml version="1.0" encoding="utf-8"?>
 <p:sld xmlns:a="http://schemas.openxmlformats.org/drawingml/2006/main" xmlns:r="http://schemas.openxmlformats.org/officeDocument/2006/relationships" xmlns:p="http://schemas.openxmlformats.org/presentationml/2006/main">
   <p:cSld>
     <p:spTree>
@@ -5745,15 +6066,7 @@
                 <a:ea typeface="CMU Serif Roman" charset="0"/>
                 <a:cs typeface="CMU Serif Roman" charset="0"/>
               </a:rPr>
-              <a:t>Structure</a:t>
-            </a:r>
-            <a:r>
-              <a:rPr lang="en-GB" sz="2800" dirty="0" smtClean="0">
-                <a:latin typeface="CMU Serif Roman" charset="0"/>
-                <a:ea typeface="CMU Serif Roman" charset="0"/>
-                <a:cs typeface="CMU Serif Roman" charset="0"/>
-              </a:rPr>
-              <a:t>:</a:t>
+              <a:t>Structure:</a:t>
             </a:r>
           </a:p>
           <a:p>
@@ -6124,9 +6437,9 @@
       </p:sp>
       <p:pic>
         <p:nvPicPr>
-          <p:cNvPr id="2" name="Picture 1"/>
+          <p:cNvPr id="1026" name="Picture 2" descr="hy Learning to Code Is So Hard (and What You Can Do About It)"/>
           <p:cNvPicPr>
-            <a:picLocks noChangeAspect="1"/>
+            <a:picLocks noChangeAspect="1" noChangeArrowheads="1"/>
           </p:cNvPicPr>
           <p:nvPr/>
         </p:nvPicPr>
@@ -6138,24 +6451,35 @@
               </a:ext>
             </a:extLst>
           </a:blip>
+          <a:srcRect/>
           <a:stretch>
             <a:fillRect/>
           </a:stretch>
         </p:blipFill>
-        <p:spPr>
+        <p:spPr bwMode="auto">
           <a:xfrm>
-            <a:off x="292115" y="1450340"/>
-            <a:ext cx="8613329" cy="4361179"/>
+            <a:off x="342900" y="1219200"/>
+            <a:ext cx="8596126" cy="4838700"/>
           </a:xfrm>
           <a:prstGeom prst="rect">
             <a:avLst/>
           </a:prstGeom>
+          <a:noFill/>
+          <a:extLst>
+            <a:ext uri="{909E8E84-426E-40DD-AFC4-6F175D3DCCD1}">
+              <a14:hiddenFill xmlns:a14="http://schemas.microsoft.com/office/drawing/2010/main">
+                <a:solidFill>
+                  <a:srgbClr val="FFFFFF"/>
+                </a:solidFill>
+              </a14:hiddenFill>
+            </a:ext>
+          </a:extLst>
         </p:spPr>
       </p:pic>
     </p:spTree>
     <p:extLst>
       <p:ext uri="{BB962C8B-B14F-4D97-AF65-F5344CB8AC3E}">
-        <p14:creationId xmlns:p14="http://schemas.microsoft.com/office/powerpoint/2010/main" val="1286319735"/>
+        <p14:creationId xmlns:p14="http://schemas.microsoft.com/office/powerpoint/2010/main" val="1346153690"/>
       </p:ext>
     </p:extLst>
   </p:cSld>
@@ -6282,7 +6606,7 @@
       </p:sp>
       <p:pic>
         <p:nvPicPr>
-          <p:cNvPr id="3" name="Picture 2"/>
+          <p:cNvPr id="2" name="Picture 1"/>
           <p:cNvPicPr>
             <a:picLocks noChangeAspect="1"/>
           </p:cNvPicPr>
@@ -6302,8 +6626,8 @@
         </p:blipFill>
         <p:spPr>
           <a:xfrm>
-            <a:off x="2252980" y="1252220"/>
-            <a:ext cx="4737100" cy="4737100"/>
+            <a:off x="292115" y="1450340"/>
+            <a:ext cx="8613329" cy="4361179"/>
           </a:xfrm>
           <a:prstGeom prst="rect">
             <a:avLst/>
@@ -6313,7 +6637,7 @@
     </p:spTree>
     <p:extLst>
       <p:ext uri="{BB962C8B-B14F-4D97-AF65-F5344CB8AC3E}">
-        <p14:creationId xmlns:p14="http://schemas.microsoft.com/office/powerpoint/2010/main" val="1847317274"/>
+        <p14:creationId xmlns:p14="http://schemas.microsoft.com/office/powerpoint/2010/main" val="1286319735"/>
       </p:ext>
     </p:extLst>
   </p:cSld>
@@ -6440,7 +6764,7 @@
       </p:sp>
       <p:pic>
         <p:nvPicPr>
-          <p:cNvPr id="2" name="Picture 1"/>
+          <p:cNvPr id="3" name="Picture 2"/>
           <p:cNvPicPr>
             <a:picLocks noChangeAspect="1"/>
           </p:cNvPicPr>
@@ -6460,8 +6784,8 @@
         </p:blipFill>
         <p:spPr>
           <a:xfrm>
-            <a:off x="304800" y="1488440"/>
-            <a:ext cx="8524240" cy="4262120"/>
+            <a:off x="2252980" y="1252220"/>
+            <a:ext cx="4737100" cy="4737100"/>
           </a:xfrm>
           <a:prstGeom prst="rect">
             <a:avLst/>
@@ -6471,7 +6795,7 @@
     </p:spTree>
     <p:extLst>
       <p:ext uri="{BB962C8B-B14F-4D97-AF65-F5344CB8AC3E}">
-        <p14:creationId xmlns:p14="http://schemas.microsoft.com/office/powerpoint/2010/main" val="576877378"/>
+        <p14:creationId xmlns:p14="http://schemas.microsoft.com/office/powerpoint/2010/main" val="1847317274"/>
       </p:ext>
     </p:extLst>
   </p:cSld>
@@ -6596,111 +6920,40 @@
           </a:p>
         </p:txBody>
       </p:sp>
-      <p:sp>
-        <p:nvSpPr>
-          <p:cNvPr id="4" name="TextBox 3"/>
-          <p:cNvSpPr txBox="1"/>
+      <p:pic>
+        <p:nvPicPr>
+          <p:cNvPr id="2" name="Picture 1"/>
+          <p:cNvPicPr>
+            <a:picLocks noChangeAspect="1"/>
+          </p:cNvPicPr>
           <p:nvPr/>
-        </p:nvSpPr>
+        </p:nvPicPr>
+        <p:blipFill>
+          <a:blip r:embed="rId3">
+            <a:extLst>
+              <a:ext uri="{28A0092B-C50C-407E-A947-70E740481C1C}">
+                <a14:useLocalDpi xmlns:a14="http://schemas.microsoft.com/office/drawing/2010/main" val="0"/>
+              </a:ext>
+            </a:extLst>
+          </a:blip>
+          <a:stretch>
+            <a:fillRect/>
+          </a:stretch>
+        </p:blipFill>
         <p:spPr>
           <a:xfrm>
-            <a:off x="148944" y="1285612"/>
-            <a:ext cx="8899672" cy="2616101"/>
+            <a:off x="304800" y="1488440"/>
+            <a:ext cx="8524240" cy="4262120"/>
           </a:xfrm>
           <a:prstGeom prst="rect">
             <a:avLst/>
           </a:prstGeom>
-          <a:solidFill>
-            <a:schemeClr val="bg1"/>
-          </a:solidFill>
-        </p:spPr>
-        <p:txBody>
-          <a:bodyPr wrap="square" rtlCol="0">
-            <a:spAutoFit/>
-          </a:bodyPr>
-          <a:lstStyle/>
-          <a:p>
-            <a:pPr algn="ctr">
-              <a:spcBef>
-                <a:spcPts val="600"/>
-              </a:spcBef>
-              <a:spcAft>
-                <a:spcPts val="600"/>
-              </a:spcAft>
-              <a:buClr>
-                <a:srgbClr val="959F4A"/>
-              </a:buClr>
-              <a:buSzPct val="80000"/>
-            </a:pPr>
-            <a:endParaRPr lang="en-GB" sz="4800" dirty="0" smtClean="0">
-              <a:latin typeface="CMU Serif Roman" charset="0"/>
-              <a:ea typeface="CMU Serif Roman" charset="0"/>
-              <a:cs typeface="CMU Serif Roman" charset="0"/>
-            </a:endParaRPr>
-          </a:p>
-          <a:p>
-            <a:pPr algn="ctr">
-              <a:spcBef>
-                <a:spcPts val="600"/>
-              </a:spcBef>
-              <a:spcAft>
-                <a:spcPts val="600"/>
-              </a:spcAft>
-              <a:buClr>
-                <a:srgbClr val="959F4A"/>
-              </a:buClr>
-              <a:buSzPct val="80000"/>
-            </a:pPr>
-            <a:endParaRPr lang="en-GB" sz="4800" dirty="0">
-              <a:latin typeface="CMU Serif Roman" charset="0"/>
-              <a:ea typeface="CMU Serif Roman" charset="0"/>
-              <a:cs typeface="CMU Serif Roman" charset="0"/>
-            </a:endParaRPr>
-          </a:p>
-          <a:p>
-            <a:pPr algn="ctr">
-              <a:spcBef>
-                <a:spcPts val="600"/>
-              </a:spcBef>
-              <a:spcAft>
-                <a:spcPts val="600"/>
-              </a:spcAft>
-              <a:buClr>
-                <a:srgbClr val="959F4A"/>
-              </a:buClr>
-              <a:buSzPct val="80000"/>
-            </a:pPr>
-            <a:r>
-              <a:rPr lang="en-GB" sz="4800" dirty="0" smtClean="0">
-                <a:latin typeface="CMU Serif Roman" charset="0"/>
-                <a:ea typeface="CMU Serif Roman" charset="0"/>
-                <a:cs typeface="CMU Serif Roman" charset="0"/>
-              </a:rPr>
-              <a:t>Open </a:t>
-            </a:r>
-            <a:r>
-              <a:rPr lang="en-GB" sz="4800" dirty="0" err="1" smtClean="0">
-                <a:latin typeface="CMU Serif Roman" charset="0"/>
-                <a:ea typeface="CMU Serif Roman" charset="0"/>
-                <a:cs typeface="CMU Serif Roman" charset="0"/>
-              </a:rPr>
-              <a:t>RStudio</a:t>
-            </a:r>
-            <a:r>
-              <a:rPr lang="en-GB" sz="4800" dirty="0" smtClean="0">
-                <a:latin typeface="CMU Serif Roman" charset="0"/>
-                <a:ea typeface="CMU Serif Roman" charset="0"/>
-                <a:cs typeface="CMU Serif Roman" charset="0"/>
-              </a:rPr>
-              <a:t>...</a:t>
-            </a:r>
-          </a:p>
-        </p:txBody>
-      </p:sp>
+        </p:spPr>
+      </p:pic>
     </p:spTree>
     <p:extLst>
       <p:ext uri="{BB962C8B-B14F-4D97-AF65-F5344CB8AC3E}">
-        <p14:creationId xmlns:p14="http://schemas.microsoft.com/office/powerpoint/2010/main" val="600173472"/>
+        <p14:creationId xmlns:p14="http://schemas.microsoft.com/office/powerpoint/2010/main" val="576877378"/>
       </p:ext>
     </p:extLst>
   </p:cSld>
@@ -6825,201 +7078,16 @@
           </a:p>
         </p:txBody>
       </p:sp>
-      <p:pic>
-        <p:nvPicPr>
-          <p:cNvPr id="2" name="Picture 1"/>
-          <p:cNvPicPr>
-            <a:picLocks noChangeAspect="1"/>
-          </p:cNvPicPr>
+      <p:sp>
+        <p:nvSpPr>
+          <p:cNvPr id="4" name="TextBox 3"/>
+          <p:cNvSpPr txBox="1"/>
           <p:nvPr/>
-        </p:nvPicPr>
-        <p:blipFill>
-          <a:blip r:embed="rId3">
-            <a:extLst>
-              <a:ext uri="{28A0092B-C50C-407E-A947-70E740481C1C}">
-                <a14:useLocalDpi xmlns:a14="http://schemas.microsoft.com/office/drawing/2010/main" val="0"/>
-              </a:ext>
-            </a:extLst>
-          </a:blip>
-          <a:stretch>
-            <a:fillRect/>
-          </a:stretch>
-        </p:blipFill>
+        </p:nvSpPr>
         <p:spPr>
           <a:xfrm>
-            <a:off x="138663" y="1064834"/>
-            <a:ext cx="8889237" cy="5254686"/>
-          </a:xfrm>
-          <a:prstGeom prst="rect">
-            <a:avLst/>
-          </a:prstGeom>
-        </p:spPr>
-      </p:pic>
-      <p:sp>
-        <p:nvSpPr>
-          <p:cNvPr id="3" name="TextBox 2"/>
-          <p:cNvSpPr txBox="1"/>
-          <p:nvPr/>
-        </p:nvSpPr>
-        <p:spPr>
-          <a:xfrm>
-            <a:off x="1669452" y="2491848"/>
-            <a:ext cx="2712608" cy="1200329"/>
-          </a:xfrm>
-          <a:prstGeom prst="rect">
-            <a:avLst/>
-          </a:prstGeom>
-          <a:noFill/>
-        </p:spPr>
-        <p:txBody>
-          <a:bodyPr wrap="square" rtlCol="0">
-            <a:spAutoFit/>
-          </a:bodyPr>
-          <a:lstStyle/>
-          <a:p>
-            <a:pPr algn="ctr"/>
-            <a:r>
-              <a:rPr lang="en-GB" sz="7200" dirty="0" smtClean="0">
-                <a:solidFill>
-                  <a:srgbClr val="FF0000"/>
-                </a:solidFill>
-              </a:rPr>
-              <a:t>CODE</a:t>
-            </a:r>
-            <a:endParaRPr lang="en-GB" sz="7200" dirty="0">
-              <a:solidFill>
-                <a:srgbClr val="FF0000"/>
-              </a:solidFill>
-            </a:endParaRPr>
-          </a:p>
-        </p:txBody>
-      </p:sp>
-      <p:sp>
-        <p:nvSpPr>
-          <p:cNvPr id="7" name="TextBox 6"/>
-          <p:cNvSpPr txBox="1"/>
-          <p:nvPr/>
-        </p:nvSpPr>
-        <p:spPr>
-          <a:xfrm>
-            <a:off x="1190326" y="5119191"/>
-            <a:ext cx="3670860" cy="1200329"/>
-          </a:xfrm>
-          <a:prstGeom prst="rect">
-            <a:avLst/>
-          </a:prstGeom>
-          <a:noFill/>
-        </p:spPr>
-        <p:txBody>
-          <a:bodyPr wrap="square" rtlCol="0">
-            <a:spAutoFit/>
-          </a:bodyPr>
-          <a:lstStyle/>
-          <a:p>
-            <a:pPr algn="ctr"/>
-            <a:r>
-              <a:rPr lang="en-GB" sz="7200" dirty="0" smtClean="0">
-                <a:solidFill>
-                  <a:srgbClr val="FF0000"/>
-                </a:solidFill>
-              </a:rPr>
-              <a:t>OUTPUT</a:t>
-            </a:r>
-            <a:endParaRPr lang="en-GB" sz="7200" dirty="0">
-              <a:solidFill>
-                <a:srgbClr val="FF0000"/>
-              </a:solidFill>
-            </a:endParaRPr>
-          </a:p>
-        </p:txBody>
-      </p:sp>
-      <p:sp>
-        <p:nvSpPr>
-          <p:cNvPr id="8" name="TextBox 7"/>
-          <p:cNvSpPr txBox="1"/>
-          <p:nvPr/>
-        </p:nvSpPr>
-        <p:spPr>
-          <a:xfrm>
-            <a:off x="6091772" y="4127608"/>
-            <a:ext cx="2712608" cy="1200329"/>
-          </a:xfrm>
-          <a:prstGeom prst="rect">
-            <a:avLst/>
-          </a:prstGeom>
-          <a:noFill/>
-        </p:spPr>
-        <p:txBody>
-          <a:bodyPr wrap="square" rtlCol="0">
-            <a:spAutoFit/>
-          </a:bodyPr>
-          <a:lstStyle/>
-          <a:p>
-            <a:pPr algn="ctr"/>
-            <a:r>
-              <a:rPr lang="en-GB" sz="7200" dirty="0" smtClean="0">
-                <a:solidFill>
-                  <a:srgbClr val="FF0000"/>
-                </a:solidFill>
-              </a:rPr>
-              <a:t>PLOTS</a:t>
-            </a:r>
-            <a:endParaRPr lang="en-GB" sz="7200" dirty="0">
-              <a:solidFill>
-                <a:srgbClr val="FF0000"/>
-              </a:solidFill>
-            </a:endParaRPr>
-          </a:p>
-        </p:txBody>
-      </p:sp>
-      <p:cxnSp>
-        <p:nvCxnSpPr>
-          <p:cNvPr id="6" name="Straight Arrow Connector 5"/>
-          <p:cNvCxnSpPr/>
-          <p:nvPr/>
-        </p:nvCxnSpPr>
-        <p:spPr>
-          <a:xfrm flipH="1" flipV="1">
-            <a:off x="6129678" y="3312159"/>
-            <a:ext cx="532548" cy="815449"/>
-          </a:xfrm>
-          <a:prstGeom prst="straightConnector1">
-            <a:avLst/>
-          </a:prstGeom>
-          <a:ln w="63500">
-            <a:solidFill>
-              <a:srgbClr val="FF0000">
-                <a:alpha val="49000"/>
-              </a:srgbClr>
-            </a:solidFill>
-            <a:tailEnd type="triangle"/>
-          </a:ln>
-        </p:spPr>
-        <p:style>
-          <a:lnRef idx="1">
-            <a:schemeClr val="accent1"/>
-          </a:lnRef>
-          <a:fillRef idx="0">
-            <a:schemeClr val="accent1"/>
-          </a:fillRef>
-          <a:effectRef idx="0">
-            <a:schemeClr val="accent1"/>
-          </a:effectRef>
-          <a:fontRef idx="minor">
-            <a:schemeClr val="tx1"/>
-          </a:fontRef>
-        </p:style>
-      </p:cxnSp>
-      <p:sp>
-        <p:nvSpPr>
-          <p:cNvPr id="12" name="TextBox 11"/>
-          <p:cNvSpPr txBox="1"/>
-          <p:nvPr/>
-        </p:nvSpPr>
-        <p:spPr>
-          <a:xfrm>
-            <a:off x="5732980" y="1969004"/>
-            <a:ext cx="3220949" cy="1200329"/>
+            <a:off x="148944" y="1285612"/>
+            <a:ext cx="8899672" cy="2616101"/>
           </a:xfrm>
           <a:prstGeom prst="rect">
             <a:avLst/>
@@ -7034,27 +7102,87 @@
           </a:bodyPr>
           <a:lstStyle/>
           <a:p>
-            <a:pPr algn="ctr"/>
-            <a:r>
-              <a:rPr lang="en-GB" sz="7200" dirty="0" smtClean="0">
-                <a:solidFill>
-                  <a:srgbClr val="FF0000"/>
-                </a:solidFill>
+            <a:pPr algn="ctr">
+              <a:spcBef>
+                <a:spcPts val="600"/>
+              </a:spcBef>
+              <a:spcAft>
+                <a:spcPts val="600"/>
+              </a:spcAft>
+              <a:buClr>
+                <a:srgbClr val="959F4A"/>
+              </a:buClr>
+              <a:buSzPct val="80000"/>
+            </a:pPr>
+            <a:endParaRPr lang="en-GB" sz="4800" dirty="0" smtClean="0">
+              <a:latin typeface="CMU Serif Roman" charset="0"/>
+              <a:ea typeface="CMU Serif Roman" charset="0"/>
+              <a:cs typeface="CMU Serif Roman" charset="0"/>
+            </a:endParaRPr>
+          </a:p>
+          <a:p>
+            <a:pPr algn="ctr">
+              <a:spcBef>
+                <a:spcPts val="600"/>
+              </a:spcBef>
+              <a:spcAft>
+                <a:spcPts val="600"/>
+              </a:spcAft>
+              <a:buClr>
+                <a:srgbClr val="959F4A"/>
+              </a:buClr>
+              <a:buSzPct val="80000"/>
+            </a:pPr>
+            <a:endParaRPr lang="en-GB" sz="4800" dirty="0">
+              <a:latin typeface="CMU Serif Roman" charset="0"/>
+              <a:ea typeface="CMU Serif Roman" charset="0"/>
+              <a:cs typeface="CMU Serif Roman" charset="0"/>
+            </a:endParaRPr>
+          </a:p>
+          <a:p>
+            <a:pPr algn="ctr">
+              <a:spcBef>
+                <a:spcPts val="600"/>
+              </a:spcBef>
+              <a:spcAft>
+                <a:spcPts val="600"/>
+              </a:spcAft>
+              <a:buClr>
+                <a:srgbClr val="959F4A"/>
+              </a:buClr>
+              <a:buSzPct val="80000"/>
+            </a:pPr>
+            <a:r>
+              <a:rPr lang="en-GB" sz="4800" dirty="0" smtClean="0">
+                <a:latin typeface="CMU Serif Roman" charset="0"/>
+                <a:ea typeface="CMU Serif Roman" charset="0"/>
+                <a:cs typeface="CMU Serif Roman" charset="0"/>
               </a:rPr>
-              <a:t>DATA</a:t>
-            </a:r>
-            <a:endParaRPr lang="en-GB" sz="7200" dirty="0">
-              <a:solidFill>
-                <a:srgbClr val="FF0000"/>
-              </a:solidFill>
-            </a:endParaRPr>
+              <a:t>Open </a:t>
+            </a:r>
+            <a:r>
+              <a:rPr lang="en-GB" sz="4800" dirty="0" err="1" smtClean="0">
+                <a:latin typeface="CMU Serif Roman" charset="0"/>
+                <a:ea typeface="CMU Serif Roman" charset="0"/>
+                <a:cs typeface="CMU Serif Roman" charset="0"/>
+              </a:rPr>
+              <a:t>RStudio</a:t>
+            </a:r>
+            <a:r>
+              <a:rPr lang="en-GB" sz="4800" dirty="0" smtClean="0">
+                <a:latin typeface="CMU Serif Roman" charset="0"/>
+                <a:ea typeface="CMU Serif Roman" charset="0"/>
+                <a:cs typeface="CMU Serif Roman" charset="0"/>
+              </a:rPr>
+              <a:t>...</a:t>
+            </a:r>
           </a:p>
         </p:txBody>
       </p:sp>
     </p:spTree>
     <p:extLst>
       <p:ext uri="{BB962C8B-B14F-4D97-AF65-F5344CB8AC3E}">
-        <p14:creationId xmlns:p14="http://schemas.microsoft.com/office/powerpoint/2010/main" val="561022354"/>
+        <p14:creationId xmlns:p14="http://schemas.microsoft.com/office/powerpoint/2010/main" val="600173472"/>
       </p:ext>
     </p:extLst>
   </p:cSld>
@@ -7179,16 +7307,201 @@
           </a:p>
         </p:txBody>
       </p:sp>
-      <p:sp>
-        <p:nvSpPr>
-          <p:cNvPr id="4" name="TextBox 3"/>
+      <p:pic>
+        <p:nvPicPr>
+          <p:cNvPr id="2" name="Picture 1"/>
+          <p:cNvPicPr>
+            <a:picLocks noChangeAspect="1"/>
+          </p:cNvPicPr>
+          <p:nvPr/>
+        </p:nvPicPr>
+        <p:blipFill>
+          <a:blip r:embed="rId3">
+            <a:extLst>
+              <a:ext uri="{28A0092B-C50C-407E-A947-70E740481C1C}">
+                <a14:useLocalDpi xmlns:a14="http://schemas.microsoft.com/office/drawing/2010/main" val="0"/>
+              </a:ext>
+            </a:extLst>
+          </a:blip>
+          <a:stretch>
+            <a:fillRect/>
+          </a:stretch>
+        </p:blipFill>
+        <p:spPr>
+          <a:xfrm>
+            <a:off x="138663" y="1064834"/>
+            <a:ext cx="8889237" cy="5254686"/>
+          </a:xfrm>
+          <a:prstGeom prst="rect">
+            <a:avLst/>
+          </a:prstGeom>
+        </p:spPr>
+      </p:pic>
+      <p:sp>
+        <p:nvSpPr>
+          <p:cNvPr id="3" name="TextBox 2"/>
           <p:cNvSpPr txBox="1"/>
           <p:nvPr/>
         </p:nvSpPr>
         <p:spPr>
           <a:xfrm>
-            <a:off x="148944" y="1285612"/>
-            <a:ext cx="8899672" cy="2677656"/>
+            <a:off x="1669452" y="2491848"/>
+            <a:ext cx="2712608" cy="1200329"/>
+          </a:xfrm>
+          <a:prstGeom prst="rect">
+            <a:avLst/>
+          </a:prstGeom>
+          <a:noFill/>
+        </p:spPr>
+        <p:txBody>
+          <a:bodyPr wrap="square" rtlCol="0">
+            <a:spAutoFit/>
+          </a:bodyPr>
+          <a:lstStyle/>
+          <a:p>
+            <a:pPr algn="ctr"/>
+            <a:r>
+              <a:rPr lang="en-GB" sz="7200" dirty="0" smtClean="0">
+                <a:solidFill>
+                  <a:srgbClr val="FF0000"/>
+                </a:solidFill>
+              </a:rPr>
+              <a:t>CODE</a:t>
+            </a:r>
+            <a:endParaRPr lang="en-GB" sz="7200" dirty="0">
+              <a:solidFill>
+                <a:srgbClr val="FF0000"/>
+              </a:solidFill>
+            </a:endParaRPr>
+          </a:p>
+        </p:txBody>
+      </p:sp>
+      <p:sp>
+        <p:nvSpPr>
+          <p:cNvPr id="7" name="TextBox 6"/>
+          <p:cNvSpPr txBox="1"/>
+          <p:nvPr/>
+        </p:nvSpPr>
+        <p:spPr>
+          <a:xfrm>
+            <a:off x="1190326" y="5119191"/>
+            <a:ext cx="3670860" cy="1200329"/>
+          </a:xfrm>
+          <a:prstGeom prst="rect">
+            <a:avLst/>
+          </a:prstGeom>
+          <a:noFill/>
+        </p:spPr>
+        <p:txBody>
+          <a:bodyPr wrap="square" rtlCol="0">
+            <a:spAutoFit/>
+          </a:bodyPr>
+          <a:lstStyle/>
+          <a:p>
+            <a:pPr algn="ctr"/>
+            <a:r>
+              <a:rPr lang="en-GB" sz="7200" dirty="0" smtClean="0">
+                <a:solidFill>
+                  <a:srgbClr val="FF0000"/>
+                </a:solidFill>
+              </a:rPr>
+              <a:t>OUTPUT</a:t>
+            </a:r>
+            <a:endParaRPr lang="en-GB" sz="7200" dirty="0">
+              <a:solidFill>
+                <a:srgbClr val="FF0000"/>
+              </a:solidFill>
+            </a:endParaRPr>
+          </a:p>
+        </p:txBody>
+      </p:sp>
+      <p:sp>
+        <p:nvSpPr>
+          <p:cNvPr id="8" name="TextBox 7"/>
+          <p:cNvSpPr txBox="1"/>
+          <p:nvPr/>
+        </p:nvSpPr>
+        <p:spPr>
+          <a:xfrm>
+            <a:off x="6091772" y="4127608"/>
+            <a:ext cx="2712608" cy="1200329"/>
+          </a:xfrm>
+          <a:prstGeom prst="rect">
+            <a:avLst/>
+          </a:prstGeom>
+          <a:noFill/>
+        </p:spPr>
+        <p:txBody>
+          <a:bodyPr wrap="square" rtlCol="0">
+            <a:spAutoFit/>
+          </a:bodyPr>
+          <a:lstStyle/>
+          <a:p>
+            <a:pPr algn="ctr"/>
+            <a:r>
+              <a:rPr lang="en-GB" sz="7200" dirty="0" smtClean="0">
+                <a:solidFill>
+                  <a:srgbClr val="FF0000"/>
+                </a:solidFill>
+              </a:rPr>
+              <a:t>PLOTS</a:t>
+            </a:r>
+            <a:endParaRPr lang="en-GB" sz="7200" dirty="0">
+              <a:solidFill>
+                <a:srgbClr val="FF0000"/>
+              </a:solidFill>
+            </a:endParaRPr>
+          </a:p>
+        </p:txBody>
+      </p:sp>
+      <p:cxnSp>
+        <p:nvCxnSpPr>
+          <p:cNvPr id="6" name="Straight Arrow Connector 5"/>
+          <p:cNvCxnSpPr/>
+          <p:nvPr/>
+        </p:nvCxnSpPr>
+        <p:spPr>
+          <a:xfrm flipH="1" flipV="1">
+            <a:off x="6129678" y="3312159"/>
+            <a:ext cx="532548" cy="815449"/>
+          </a:xfrm>
+          <a:prstGeom prst="straightConnector1">
+            <a:avLst/>
+          </a:prstGeom>
+          <a:ln w="63500">
+            <a:solidFill>
+              <a:srgbClr val="FF0000">
+                <a:alpha val="49000"/>
+              </a:srgbClr>
+            </a:solidFill>
+            <a:tailEnd type="triangle"/>
+          </a:ln>
+        </p:spPr>
+        <p:style>
+          <a:lnRef idx="1">
+            <a:schemeClr val="accent1"/>
+          </a:lnRef>
+          <a:fillRef idx="0">
+            <a:schemeClr val="accent1"/>
+          </a:fillRef>
+          <a:effectRef idx="0">
+            <a:schemeClr val="accent1"/>
+          </a:effectRef>
+          <a:fontRef idx="minor">
+            <a:schemeClr val="tx1"/>
+          </a:fontRef>
+        </p:style>
+      </p:cxnSp>
+      <p:sp>
+        <p:nvSpPr>
+          <p:cNvPr id="12" name="TextBox 11"/>
+          <p:cNvSpPr txBox="1"/>
+          <p:nvPr/>
+        </p:nvSpPr>
+        <p:spPr>
+          <a:xfrm>
+            <a:off x="5732980" y="1969004"/>
+            <a:ext cx="3220949" cy="1200329"/>
           </a:xfrm>
           <a:prstGeom prst="rect">
             <a:avLst/>
@@ -7203,94 +7516,19 @@
           </a:bodyPr>
           <a:lstStyle/>
           <a:p>
-            <a:pPr algn="ctr">
-              <a:spcBef>
-                <a:spcPts val="600"/>
-              </a:spcBef>
-              <a:spcAft>
-                <a:spcPts val="600"/>
-              </a:spcAft>
-              <a:buClr>
-                <a:srgbClr val="959F4A"/>
-              </a:buClr>
-              <a:buSzPct val="80000"/>
-            </a:pPr>
-            <a:r>
-              <a:rPr lang="en-GB" sz="3600" dirty="0" smtClean="0">
-                <a:latin typeface="CMU Serif Roman" charset="0"/>
-                <a:ea typeface="CMU Serif Roman" charset="0"/>
-                <a:cs typeface="CMU Serif Roman" charset="0"/>
+            <a:pPr algn="ctr"/>
+            <a:r>
+              <a:rPr lang="en-GB" sz="7200" dirty="0" smtClean="0">
+                <a:solidFill>
+                  <a:srgbClr val="FF0000"/>
+                </a:solidFill>
               </a:rPr>
-              <a:t>You can view the worksheet online at:</a:t>
-            </a:r>
-          </a:p>
-          <a:p>
-            <a:pPr>
-              <a:spcBef>
-                <a:spcPts val="600"/>
-              </a:spcBef>
-              <a:spcAft>
-                <a:spcPts val="600"/>
-              </a:spcAft>
-              <a:buClr>
-                <a:srgbClr val="959F4A"/>
-              </a:buClr>
-              <a:buSzPct val="80000"/>
-            </a:pPr>
-            <a:endParaRPr lang="en-GB" sz="2400" dirty="0" smtClean="0">
-              <a:latin typeface="CMU Serif Roman" charset="0"/>
-              <a:ea typeface="CMU Serif Roman" charset="0"/>
-              <a:cs typeface="CMU Serif Roman" charset="0"/>
-            </a:endParaRPr>
-          </a:p>
-          <a:p>
-            <a:pPr>
-              <a:spcBef>
-                <a:spcPts val="600"/>
-              </a:spcBef>
-              <a:spcAft>
-                <a:spcPts val="600"/>
-              </a:spcAft>
-              <a:buClr>
-                <a:srgbClr val="959F4A"/>
-              </a:buClr>
-              <a:buSzPct val="80000"/>
-            </a:pPr>
-            <a:endParaRPr lang="en-GB" sz="2400" dirty="0" smtClean="0">
-              <a:latin typeface="CMU Serif Roman" charset="0"/>
-              <a:ea typeface="CMU Serif Roman" charset="0"/>
-              <a:cs typeface="CMU Serif Roman" charset="0"/>
-            </a:endParaRPr>
-          </a:p>
-          <a:p>
-            <a:pPr algn="ctr">
-              <a:spcBef>
-                <a:spcPts val="600"/>
-              </a:spcBef>
-              <a:spcAft>
-                <a:spcPts val="600"/>
-              </a:spcAft>
-              <a:buClr>
-                <a:srgbClr val="959F4A"/>
-              </a:buClr>
-              <a:buSzPct val="80000"/>
-            </a:pPr>
-            <a:r>
-              <a:rPr lang="en-GB" sz="5400" dirty="0"/>
-              <a:t>https://</a:t>
-            </a:r>
-            <a:r>
-              <a:rPr lang="en-GB" sz="5400" dirty="0" err="1"/>
-              <a:t>bit.ly</a:t>
-            </a:r>
-            <a:r>
-              <a:rPr lang="en-GB" sz="5400" dirty="0"/>
-              <a:t>/2FRDmXW</a:t>
-            </a:r>
-            <a:endParaRPr lang="en-GB" sz="5400" dirty="0" smtClean="0">
-              <a:latin typeface="CMU Serif Roman" charset="0"/>
-              <a:ea typeface="CMU Serif Roman" charset="0"/>
-              <a:cs typeface="CMU Serif Roman" charset="0"/>
+              <a:t>DATA</a:t>
+            </a:r>
+            <a:endParaRPr lang="en-GB" sz="7200" dirty="0">
+              <a:solidFill>
+                <a:srgbClr val="FF0000"/>
+              </a:solidFill>
             </a:endParaRPr>
           </a:p>
         </p:txBody>
@@ -7298,7 +7536,7 @@
     </p:spTree>
     <p:extLst>
       <p:ext uri="{BB962C8B-B14F-4D97-AF65-F5344CB8AC3E}">
-        <p14:creationId xmlns:p14="http://schemas.microsoft.com/office/powerpoint/2010/main" val="1936144561"/>
+        <p14:creationId xmlns:p14="http://schemas.microsoft.com/office/powerpoint/2010/main" val="561022354"/>
       </p:ext>
     </p:extLst>
   </p:cSld>
